--- a/docs/Документация(v.2).pptx
+++ b/docs/Документация(v.2).pptx
@@ -8366,11 +8366,19 @@
           <a:lstStyle/>
           <a:p>
             <a:r>
-              <a:rPr lang="ru-RU" dirty="0" smtClean="0"/>
+              <a:rPr lang="ru-RU" dirty="0" smtClean="0">
+                <a:solidFill>
+                  <a:schemeClr val="bg1"/>
+                </a:solidFill>
+              </a:rPr>
               <a:t>Все данные хранятся в 3 БД</a:t>
             </a:r>
             <a:r>
-              <a:rPr lang="en-US" dirty="0" smtClean="0"/>
+              <a:rPr lang="en-US" dirty="0" smtClean="0">
+                <a:solidFill>
+                  <a:schemeClr val="bg1"/>
+                </a:solidFill>
+              </a:rPr>
               <a:t>:</a:t>
             </a:r>
           </a:p>
@@ -8380,11 +8388,19 @@
               <a:buAutoNum type="arabicPeriod"/>
             </a:pPr>
             <a:r>
-              <a:rPr lang="ru-RU" dirty="0" smtClean="0"/>
+              <a:rPr lang="ru-RU" dirty="0" smtClean="0">
+                <a:solidFill>
+                  <a:schemeClr val="bg1"/>
+                </a:solidFill>
+              </a:rPr>
               <a:t>БД пользователей </a:t>
             </a:r>
             <a:r>
-              <a:rPr lang="en-US" dirty="0" smtClean="0"/>
+              <a:rPr lang="en-US" dirty="0" smtClean="0">
+                <a:solidFill>
+                  <a:schemeClr val="bg1"/>
+                </a:solidFill>
+              </a:rPr>
               <a:t>(users)</a:t>
             </a:r>
           </a:p>
@@ -8394,11 +8410,19 @@
               <a:buAutoNum type="arabicPeriod"/>
             </a:pPr>
             <a:r>
-              <a:rPr lang="ru-RU" dirty="0" smtClean="0"/>
+              <a:rPr lang="ru-RU" dirty="0" smtClean="0">
+                <a:solidFill>
+                  <a:schemeClr val="bg1"/>
+                </a:solidFill>
+              </a:rPr>
               <a:t>БД новостей (</a:t>
             </a:r>
             <a:r>
-              <a:rPr lang="en-US" dirty="0" smtClean="0"/>
+              <a:rPr lang="en-US" dirty="0" smtClean="0">
+                <a:solidFill>
+                  <a:schemeClr val="bg1"/>
+                </a:solidFill>
+              </a:rPr>
               <a:t>news)</a:t>
             </a:r>
           </a:p>
@@ -8408,11 +8432,19 @@
               <a:buAutoNum type="arabicPeriod"/>
             </a:pPr>
             <a:r>
-              <a:rPr lang="ru-RU" dirty="0" smtClean="0"/>
+              <a:rPr lang="ru-RU" dirty="0" smtClean="0">
+                <a:solidFill>
+                  <a:schemeClr val="bg1"/>
+                </a:solidFill>
+              </a:rPr>
               <a:t>БД комментариев </a:t>
             </a:r>
             <a:r>
-              <a:rPr lang="en-US" dirty="0" smtClean="0"/>
+              <a:rPr lang="en-US" dirty="0" smtClean="0">
+                <a:solidFill>
+                  <a:schemeClr val="bg1"/>
+                </a:solidFill>
+              </a:rPr>
               <a:t>(comments)</a:t>
             </a:r>
           </a:p>
